--- a/Prezentacja/Prezentacja pracy dyplomowej.pptx
+++ b/Prezentacja/Prezentacja pracy dyplomowej.pptx
@@ -7,6 +7,11 @@
   <p:sldIdLst>
     <p:sldId id="256" r:id="rId2"/>
     <p:sldId id="257" r:id="rId3"/>
+    <p:sldId id="258" r:id="rId4"/>
+    <p:sldId id="259" r:id="rId5"/>
+    <p:sldId id="260" r:id="rId6"/>
+    <p:sldId id="262" r:id="rId7"/>
+    <p:sldId id="261" r:id="rId8"/>
   </p:sldIdLst>
   <p:sldSz cx="12192000" cy="6858000"/>
   <p:notesSz cx="6858000" cy="9144000"/>
@@ -4101,6 +4106,10 @@
           <a:bodyPr/>
           <a:lstStyle/>
           <a:p>
+            <a:r>
+              <a:rPr lang="pl-PL" dirty="0" smtClean="0"/>
+              <a:t>Cel</a:t>
+            </a:r>
             <a:endParaRPr lang="pl-PL" dirty="0"/>
           </a:p>
         </p:txBody>
@@ -4128,6 +4137,366 @@
     <p:extLst>
       <p:ext uri="{BB962C8B-B14F-4D97-AF65-F5344CB8AC3E}">
         <p14:creationId xmlns:p14="http://schemas.microsoft.com/office/powerpoint/2010/main" val="1667605238"/>
+      </p:ext>
+    </p:extLst>
+  </p:cSld>
+  <p:clrMapOvr>
+    <a:masterClrMapping/>
+  </p:clrMapOvr>
+</p:sld>
+</file>
+
+<file path=ppt/slides/slide3.xml><?xml version="1.0" encoding="utf-8"?>
+<p:sld xmlns:a="http://schemas.openxmlformats.org/drawingml/2006/main" xmlns:r="http://schemas.openxmlformats.org/officeDocument/2006/relationships" xmlns:p="http://schemas.openxmlformats.org/presentationml/2006/main">
+  <p:cSld>
+    <p:spTree>
+      <p:nvGrpSpPr>
+        <p:cNvPr id="1" name=""/>
+        <p:cNvGrpSpPr/>
+        <p:nvPr/>
+      </p:nvGrpSpPr>
+      <p:grpSpPr>
+        <a:xfrm>
+          <a:off x="0" y="0"/>
+          <a:ext cx="0" cy="0"/>
+          <a:chOff x="0" y="0"/>
+          <a:chExt cx="0" cy="0"/>
+        </a:xfrm>
+      </p:grpSpPr>
+      <p:sp>
+        <p:nvSpPr>
+          <p:cNvPr id="2" name="Tytuł 1"/>
+          <p:cNvSpPr>
+            <a:spLocks noGrp="1"/>
+          </p:cNvSpPr>
+          <p:nvPr>
+            <p:ph type="title"/>
+          </p:nvPr>
+        </p:nvSpPr>
+        <p:spPr/>
+        <p:txBody>
+          <a:bodyPr/>
+          <a:lstStyle/>
+          <a:p>
+            <a:r>
+              <a:rPr lang="pl-PL" dirty="0" smtClean="0"/>
+              <a:t>Zakres projektu</a:t>
+            </a:r>
+            <a:endParaRPr lang="pl-PL" dirty="0"/>
+          </a:p>
+        </p:txBody>
+      </p:sp>
+      <p:sp>
+        <p:nvSpPr>
+          <p:cNvPr id="3" name="Symbol zastępczy zawartości 2"/>
+          <p:cNvSpPr>
+            <a:spLocks noGrp="1"/>
+          </p:cNvSpPr>
+          <p:nvPr>
+            <p:ph idx="1"/>
+          </p:nvPr>
+        </p:nvSpPr>
+        <p:spPr/>
+        <p:txBody>
+          <a:bodyPr/>
+          <a:lstStyle/>
+          <a:p>
+            <a:endParaRPr lang="pl-PL"/>
+          </a:p>
+        </p:txBody>
+      </p:sp>
+    </p:spTree>
+    <p:extLst>
+      <p:ext uri="{BB962C8B-B14F-4D97-AF65-F5344CB8AC3E}">
+        <p14:creationId xmlns:p14="http://schemas.microsoft.com/office/powerpoint/2010/main" val="2680327697"/>
+      </p:ext>
+    </p:extLst>
+  </p:cSld>
+  <p:clrMapOvr>
+    <a:masterClrMapping/>
+  </p:clrMapOvr>
+</p:sld>
+</file>
+
+<file path=ppt/slides/slide4.xml><?xml version="1.0" encoding="utf-8"?>
+<p:sld xmlns:a="http://schemas.openxmlformats.org/drawingml/2006/main" xmlns:r="http://schemas.openxmlformats.org/officeDocument/2006/relationships" xmlns:p="http://schemas.openxmlformats.org/presentationml/2006/main">
+  <p:cSld>
+    <p:spTree>
+      <p:nvGrpSpPr>
+        <p:cNvPr id="1" name=""/>
+        <p:cNvGrpSpPr/>
+        <p:nvPr/>
+      </p:nvGrpSpPr>
+      <p:grpSpPr>
+        <a:xfrm>
+          <a:off x="0" y="0"/>
+          <a:ext cx="0" cy="0"/>
+          <a:chOff x="0" y="0"/>
+          <a:chExt cx="0" cy="0"/>
+        </a:xfrm>
+      </p:grpSpPr>
+      <p:sp>
+        <p:nvSpPr>
+          <p:cNvPr id="2" name="Tytuł 1"/>
+          <p:cNvSpPr>
+            <a:spLocks noGrp="1"/>
+          </p:cNvSpPr>
+          <p:nvPr>
+            <p:ph type="title"/>
+          </p:nvPr>
+        </p:nvSpPr>
+        <p:spPr/>
+        <p:txBody>
+          <a:bodyPr/>
+          <a:lstStyle/>
+          <a:p>
+            <a:r>
+              <a:rPr lang="pl-PL" dirty="0" smtClean="0"/>
+              <a:t>Uzasadnienie wyboru </a:t>
+            </a:r>
+            <a:endParaRPr lang="pl-PL" dirty="0"/>
+          </a:p>
+        </p:txBody>
+      </p:sp>
+      <p:sp>
+        <p:nvSpPr>
+          <p:cNvPr id="3" name="Symbol zastępczy zawartości 2"/>
+          <p:cNvSpPr>
+            <a:spLocks noGrp="1"/>
+          </p:cNvSpPr>
+          <p:nvPr>
+            <p:ph idx="1"/>
+          </p:nvPr>
+        </p:nvSpPr>
+        <p:spPr/>
+        <p:txBody>
+          <a:bodyPr/>
+          <a:lstStyle/>
+          <a:p>
+            <a:endParaRPr lang="pl-PL"/>
+          </a:p>
+        </p:txBody>
+      </p:sp>
+    </p:spTree>
+    <p:extLst>
+      <p:ext uri="{BB962C8B-B14F-4D97-AF65-F5344CB8AC3E}">
+        <p14:creationId xmlns:p14="http://schemas.microsoft.com/office/powerpoint/2010/main" val="3011427051"/>
+      </p:ext>
+    </p:extLst>
+  </p:cSld>
+  <p:clrMapOvr>
+    <a:masterClrMapping/>
+  </p:clrMapOvr>
+</p:sld>
+</file>
+
+<file path=ppt/slides/slide5.xml><?xml version="1.0" encoding="utf-8"?>
+<p:sld xmlns:a="http://schemas.openxmlformats.org/drawingml/2006/main" xmlns:r="http://schemas.openxmlformats.org/officeDocument/2006/relationships" xmlns:p="http://schemas.openxmlformats.org/presentationml/2006/main">
+  <p:cSld>
+    <p:spTree>
+      <p:nvGrpSpPr>
+        <p:cNvPr id="1" name=""/>
+        <p:cNvGrpSpPr/>
+        <p:nvPr/>
+      </p:nvGrpSpPr>
+      <p:grpSpPr>
+        <a:xfrm>
+          <a:off x="0" y="0"/>
+          <a:ext cx="0" cy="0"/>
+          <a:chOff x="0" y="0"/>
+          <a:chExt cx="0" cy="0"/>
+        </a:xfrm>
+      </p:grpSpPr>
+      <p:sp>
+        <p:nvSpPr>
+          <p:cNvPr id="2" name="Tytuł 1"/>
+          <p:cNvSpPr>
+            <a:spLocks noGrp="1"/>
+          </p:cNvSpPr>
+          <p:nvPr>
+            <p:ph type="title"/>
+          </p:nvPr>
+        </p:nvSpPr>
+        <p:spPr/>
+        <p:txBody>
+          <a:bodyPr/>
+          <a:lstStyle/>
+          <a:p>
+            <a:r>
+              <a:rPr lang="pl-PL" dirty="0" smtClean="0"/>
+              <a:t>Zastosowane metody i techniki badawcze</a:t>
+            </a:r>
+            <a:endParaRPr lang="pl-PL" dirty="0"/>
+          </a:p>
+        </p:txBody>
+      </p:sp>
+      <p:sp>
+        <p:nvSpPr>
+          <p:cNvPr id="3" name="Symbol zastępczy zawartości 2"/>
+          <p:cNvSpPr>
+            <a:spLocks noGrp="1"/>
+          </p:cNvSpPr>
+          <p:nvPr>
+            <p:ph idx="1"/>
+          </p:nvPr>
+        </p:nvSpPr>
+        <p:spPr/>
+        <p:txBody>
+          <a:bodyPr/>
+          <a:lstStyle/>
+          <a:p>
+            <a:endParaRPr lang="pl-PL"/>
+          </a:p>
+        </p:txBody>
+      </p:sp>
+    </p:spTree>
+    <p:extLst>
+      <p:ext uri="{BB962C8B-B14F-4D97-AF65-F5344CB8AC3E}">
+        <p14:creationId xmlns:p14="http://schemas.microsoft.com/office/powerpoint/2010/main" val="2307983815"/>
+      </p:ext>
+    </p:extLst>
+  </p:cSld>
+  <p:clrMapOvr>
+    <a:masterClrMapping/>
+  </p:clrMapOvr>
+</p:sld>
+</file>
+
+<file path=ppt/slides/slide6.xml><?xml version="1.0" encoding="utf-8"?>
+<p:sld xmlns:a="http://schemas.openxmlformats.org/drawingml/2006/main" xmlns:r="http://schemas.openxmlformats.org/officeDocument/2006/relationships" xmlns:p="http://schemas.openxmlformats.org/presentationml/2006/main">
+  <p:cSld>
+    <p:spTree>
+      <p:nvGrpSpPr>
+        <p:cNvPr id="1" name=""/>
+        <p:cNvGrpSpPr/>
+        <p:nvPr/>
+      </p:nvGrpSpPr>
+      <p:grpSpPr>
+        <a:xfrm>
+          <a:off x="0" y="0"/>
+          <a:ext cx="0" cy="0"/>
+          <a:chOff x="0" y="0"/>
+          <a:chExt cx="0" cy="0"/>
+        </a:xfrm>
+      </p:grpSpPr>
+      <p:sp>
+        <p:nvSpPr>
+          <p:cNvPr id="2" name="Tytuł 1"/>
+          <p:cNvSpPr>
+            <a:spLocks noGrp="1"/>
+          </p:cNvSpPr>
+          <p:nvPr>
+            <p:ph type="title"/>
+          </p:nvPr>
+        </p:nvSpPr>
+        <p:spPr/>
+        <p:txBody>
+          <a:bodyPr/>
+          <a:lstStyle/>
+          <a:p>
+            <a:r>
+              <a:rPr lang="pl-PL" dirty="0" smtClean="0"/>
+              <a:t>Przebieg tworzenia gry</a:t>
+            </a:r>
+            <a:endParaRPr lang="pl-PL" dirty="0"/>
+          </a:p>
+        </p:txBody>
+      </p:sp>
+      <p:sp>
+        <p:nvSpPr>
+          <p:cNvPr id="3" name="Symbol zastępczy zawartości 2"/>
+          <p:cNvSpPr>
+            <a:spLocks noGrp="1"/>
+          </p:cNvSpPr>
+          <p:nvPr>
+            <p:ph idx="1"/>
+          </p:nvPr>
+        </p:nvSpPr>
+        <p:spPr/>
+        <p:txBody>
+          <a:bodyPr/>
+          <a:lstStyle/>
+          <a:p>
+            <a:endParaRPr lang="pl-PL"/>
+          </a:p>
+        </p:txBody>
+      </p:sp>
+    </p:spTree>
+    <p:extLst>
+      <p:ext uri="{BB962C8B-B14F-4D97-AF65-F5344CB8AC3E}">
+        <p14:creationId xmlns:p14="http://schemas.microsoft.com/office/powerpoint/2010/main" val="3671462167"/>
+      </p:ext>
+    </p:extLst>
+  </p:cSld>
+  <p:clrMapOvr>
+    <a:masterClrMapping/>
+  </p:clrMapOvr>
+</p:sld>
+</file>
+
+<file path=ppt/slides/slide7.xml><?xml version="1.0" encoding="utf-8"?>
+<p:sld xmlns:a="http://schemas.openxmlformats.org/drawingml/2006/main" xmlns:r="http://schemas.openxmlformats.org/officeDocument/2006/relationships" xmlns:p="http://schemas.openxmlformats.org/presentationml/2006/main">
+  <p:cSld>
+    <p:spTree>
+      <p:nvGrpSpPr>
+        <p:cNvPr id="1" name=""/>
+        <p:cNvGrpSpPr/>
+        <p:nvPr/>
+      </p:nvGrpSpPr>
+      <p:grpSpPr>
+        <a:xfrm>
+          <a:off x="0" y="0"/>
+          <a:ext cx="0" cy="0"/>
+          <a:chOff x="0" y="0"/>
+          <a:chExt cx="0" cy="0"/>
+        </a:xfrm>
+      </p:grpSpPr>
+      <p:sp>
+        <p:nvSpPr>
+          <p:cNvPr id="2" name="Tytuł 1"/>
+          <p:cNvSpPr>
+            <a:spLocks noGrp="1"/>
+          </p:cNvSpPr>
+          <p:nvPr>
+            <p:ph type="title"/>
+          </p:nvPr>
+        </p:nvSpPr>
+        <p:spPr/>
+        <p:txBody>
+          <a:bodyPr/>
+          <a:lstStyle/>
+          <a:p>
+            <a:r>
+              <a:rPr lang="pl-PL" dirty="0" smtClean="0"/>
+              <a:t>Wnioski</a:t>
+            </a:r>
+            <a:endParaRPr lang="pl-PL" dirty="0"/>
+          </a:p>
+        </p:txBody>
+      </p:sp>
+      <p:sp>
+        <p:nvSpPr>
+          <p:cNvPr id="3" name="Symbol zastępczy zawartości 2"/>
+          <p:cNvSpPr>
+            <a:spLocks noGrp="1"/>
+          </p:cNvSpPr>
+          <p:nvPr>
+            <p:ph idx="1"/>
+          </p:nvPr>
+        </p:nvSpPr>
+        <p:spPr/>
+        <p:txBody>
+          <a:bodyPr/>
+          <a:lstStyle/>
+          <a:p>
+            <a:endParaRPr lang="pl-PL" dirty="0"/>
+          </a:p>
+        </p:txBody>
+      </p:sp>
+    </p:spTree>
+    <p:extLst>
+      <p:ext uri="{BB962C8B-B14F-4D97-AF65-F5344CB8AC3E}">
+        <p14:creationId xmlns:p14="http://schemas.microsoft.com/office/powerpoint/2010/main" val="1557643752"/>
       </p:ext>
     </p:extLst>
   </p:cSld>

--- a/Prezentacja/Prezentacja pracy dyplomowej.pptx
+++ b/Prezentacja/Prezentacja pracy dyplomowej.pptx
@@ -110,6 +110,11 @@
       </a:defRPr>
     </a:lvl9pPr>
   </p:defaultTextStyle>
+  <p:extLst>
+    <p:ext uri="{EFAFB233-063F-42B5-8137-9DF3F51BA10A}">
+      <p15:sldGuideLst xmlns:p15="http://schemas.microsoft.com/office/powerpoint/2012/main"/>
+    </p:ext>
+  </p:extLst>
 </p:presentation>
 </file>
 
@@ -199,7 +204,7 @@
           </a:lstStyle>
           <a:p>
             <a:r>
-              <a:rPr lang="pl-PL" smtClean="0"/>
+              <a:rPr lang="pl-PL"/>
               <a:t>Kliknij, aby edytować styl</a:t>
             </a:r>
             <a:endParaRPr lang="en-US" dirty="0"/>
@@ -318,7 +323,7 @@
           </a:lstStyle>
           <a:p>
             <a:r>
-              <a:rPr lang="pl-PL" smtClean="0"/>
+              <a:rPr lang="pl-PL"/>
               <a:t>Kliknij, aby edytować styl wzorca podtytułu</a:t>
             </a:r>
             <a:endParaRPr lang="en-US" dirty="0"/>
@@ -525,7 +530,7 @@
           <a:lstStyle/>
           <a:p>
             <a:r>
-              <a:rPr lang="pl-PL" smtClean="0"/>
+              <a:rPr lang="pl-PL"/>
               <a:t>Kliknij, aby edytować styl</a:t>
             </a:r>
             <a:endParaRPr lang="en-US" dirty="0"/>
@@ -565,35 +570,35 @@
           <a:p>
             <a:pPr lvl="0"/>
             <a:r>
-              <a:rPr lang="pl-PL" smtClean="0"/>
+              <a:rPr lang="pl-PL"/>
               <a:t>Edytuj style wzorca tekstu</a:t>
             </a:r>
           </a:p>
           <a:p>
             <a:pPr lvl="1"/>
             <a:r>
-              <a:rPr lang="pl-PL" smtClean="0"/>
+              <a:rPr lang="pl-PL"/>
               <a:t>Drugi poziom</a:t>
             </a:r>
           </a:p>
           <a:p>
             <a:pPr lvl="2"/>
             <a:r>
-              <a:rPr lang="pl-PL" smtClean="0"/>
+              <a:rPr lang="pl-PL"/>
               <a:t>Trzeci poziom</a:t>
             </a:r>
           </a:p>
           <a:p>
             <a:pPr lvl="3"/>
             <a:r>
-              <a:rPr lang="pl-PL" smtClean="0"/>
+              <a:rPr lang="pl-PL"/>
               <a:t>Czwarty poziom</a:t>
             </a:r>
           </a:p>
           <a:p>
             <a:pPr lvl="4"/>
             <a:r>
-              <a:rPr lang="pl-PL" smtClean="0"/>
+              <a:rPr lang="pl-PL"/>
               <a:t>Piąty poziom</a:t>
             </a:r>
             <a:endParaRPr lang="en-US" dirty="0"/>
@@ -752,7 +757,7 @@
           <a:lstStyle/>
           <a:p>
             <a:r>
-              <a:rPr lang="pl-PL" smtClean="0"/>
+              <a:rPr lang="pl-PL"/>
               <a:t>Kliknij, aby edytować styl</a:t>
             </a:r>
             <a:endParaRPr lang="en-US" dirty="0"/>
@@ -781,35 +786,35 @@
           <a:p>
             <a:pPr lvl="0"/>
             <a:r>
-              <a:rPr lang="pl-PL" smtClean="0"/>
+              <a:rPr lang="pl-PL"/>
               <a:t>Edytuj style wzorca tekstu</a:t>
             </a:r>
           </a:p>
           <a:p>
             <a:pPr lvl="1"/>
             <a:r>
-              <a:rPr lang="pl-PL" smtClean="0"/>
+              <a:rPr lang="pl-PL"/>
               <a:t>Drugi poziom</a:t>
             </a:r>
           </a:p>
           <a:p>
             <a:pPr lvl="2"/>
             <a:r>
-              <a:rPr lang="pl-PL" smtClean="0"/>
+              <a:rPr lang="pl-PL"/>
               <a:t>Trzeci poziom</a:t>
             </a:r>
           </a:p>
           <a:p>
             <a:pPr lvl="3"/>
             <a:r>
-              <a:rPr lang="pl-PL" smtClean="0"/>
+              <a:rPr lang="pl-PL"/>
               <a:t>Czwarty poziom</a:t>
             </a:r>
           </a:p>
           <a:p>
             <a:pPr lvl="4"/>
             <a:r>
-              <a:rPr lang="pl-PL" smtClean="0"/>
+              <a:rPr lang="pl-PL"/>
               <a:t>Piąty poziom</a:t>
             </a:r>
             <a:endParaRPr lang="en-US" dirty="0"/>
@@ -1005,7 +1010,7 @@
           <a:lstStyle/>
           <a:p>
             <a:r>
-              <a:rPr lang="pl-PL" smtClean="0"/>
+              <a:rPr lang="pl-PL"/>
               <a:t>Kliknij, aby edytować styl</a:t>
             </a:r>
             <a:endParaRPr lang="en-US" dirty="0"/>
@@ -1034,35 +1039,35 @@
           <a:p>
             <a:pPr lvl="0"/>
             <a:r>
-              <a:rPr lang="pl-PL" smtClean="0"/>
+              <a:rPr lang="pl-PL"/>
               <a:t>Edytuj style wzorca tekstu</a:t>
             </a:r>
           </a:p>
           <a:p>
             <a:pPr lvl="1"/>
             <a:r>
-              <a:rPr lang="pl-PL" smtClean="0"/>
+              <a:rPr lang="pl-PL"/>
               <a:t>Drugi poziom</a:t>
             </a:r>
           </a:p>
           <a:p>
             <a:pPr lvl="2"/>
             <a:r>
-              <a:rPr lang="pl-PL" smtClean="0"/>
+              <a:rPr lang="pl-PL"/>
               <a:t>Trzeci poziom</a:t>
             </a:r>
           </a:p>
           <a:p>
             <a:pPr lvl="3"/>
             <a:r>
-              <a:rPr lang="pl-PL" smtClean="0"/>
+              <a:rPr lang="pl-PL"/>
               <a:t>Czwarty poziom</a:t>
             </a:r>
           </a:p>
           <a:p>
             <a:pPr lvl="4"/>
             <a:r>
-              <a:rPr lang="pl-PL" smtClean="0"/>
+              <a:rPr lang="pl-PL"/>
               <a:t>Piąty poziom</a:t>
             </a:r>
             <a:endParaRPr lang="en-US" dirty="0"/>
@@ -1236,7 +1241,7 @@
           </a:lstStyle>
           <a:p>
             <a:r>
-              <a:rPr lang="pl-PL" smtClean="0"/>
+              <a:rPr lang="pl-PL"/>
               <a:t>Kliknij, aby edytować styl</a:t>
             </a:r>
             <a:endParaRPr lang="en-US" dirty="0"/>
@@ -1356,7 +1361,7 @@
           <a:p>
             <a:pPr lvl="0"/>
             <a:r>
-              <a:rPr lang="pl-PL" smtClean="0"/>
+              <a:rPr lang="pl-PL"/>
               <a:t>Edytuj style wzorca tekstu</a:t>
             </a:r>
           </a:p>
@@ -1547,7 +1552,7 @@
           <a:lstStyle/>
           <a:p>
             <a:r>
-              <a:rPr lang="pl-PL" smtClean="0"/>
+              <a:rPr lang="pl-PL"/>
               <a:t>Kliknij, aby edytować styl</a:t>
             </a:r>
             <a:endParaRPr lang="en-US" dirty="0"/>
@@ -1578,35 +1583,35 @@
           <a:p>
             <a:pPr lvl="0"/>
             <a:r>
-              <a:rPr lang="pl-PL" smtClean="0"/>
+              <a:rPr lang="pl-PL"/>
               <a:t>Edytuj style wzorca tekstu</a:t>
             </a:r>
           </a:p>
           <a:p>
             <a:pPr lvl="1"/>
             <a:r>
-              <a:rPr lang="pl-PL" smtClean="0"/>
+              <a:rPr lang="pl-PL"/>
               <a:t>Drugi poziom</a:t>
             </a:r>
           </a:p>
           <a:p>
             <a:pPr lvl="2"/>
             <a:r>
-              <a:rPr lang="pl-PL" smtClean="0"/>
+              <a:rPr lang="pl-PL"/>
               <a:t>Trzeci poziom</a:t>
             </a:r>
           </a:p>
           <a:p>
             <a:pPr lvl="3"/>
             <a:r>
-              <a:rPr lang="pl-PL" smtClean="0"/>
+              <a:rPr lang="pl-PL"/>
               <a:t>Czwarty poziom</a:t>
             </a:r>
           </a:p>
           <a:p>
             <a:pPr lvl="4"/>
             <a:r>
-              <a:rPr lang="pl-PL" smtClean="0"/>
+              <a:rPr lang="pl-PL"/>
               <a:t>Piąty poziom</a:t>
             </a:r>
             <a:endParaRPr lang="en-US" dirty="0"/>
@@ -1637,35 +1642,35 @@
           <a:p>
             <a:pPr lvl="0"/>
             <a:r>
-              <a:rPr lang="pl-PL" smtClean="0"/>
+              <a:rPr lang="pl-PL"/>
               <a:t>Edytuj style wzorca tekstu</a:t>
             </a:r>
           </a:p>
           <a:p>
             <a:pPr lvl="1"/>
             <a:r>
-              <a:rPr lang="pl-PL" smtClean="0"/>
+              <a:rPr lang="pl-PL"/>
               <a:t>Drugi poziom</a:t>
             </a:r>
           </a:p>
           <a:p>
             <a:pPr lvl="2"/>
             <a:r>
-              <a:rPr lang="pl-PL" smtClean="0"/>
+              <a:rPr lang="pl-PL"/>
               <a:t>Trzeci poziom</a:t>
             </a:r>
           </a:p>
           <a:p>
             <a:pPr lvl="3"/>
             <a:r>
-              <a:rPr lang="pl-PL" smtClean="0"/>
+              <a:rPr lang="pl-PL"/>
               <a:t>Czwarty poziom</a:t>
             </a:r>
           </a:p>
           <a:p>
             <a:pPr lvl="4"/>
             <a:r>
-              <a:rPr lang="pl-PL" smtClean="0"/>
+              <a:rPr lang="pl-PL"/>
               <a:t>Piąty poziom</a:t>
             </a:r>
             <a:endParaRPr lang="en-US" dirty="0"/>
@@ -1824,7 +1829,7 @@
           <a:lstStyle/>
           <a:p>
             <a:r>
-              <a:rPr lang="pl-PL" smtClean="0"/>
+              <a:rPr lang="pl-PL"/>
               <a:t>Kliknij, aby edytować styl</a:t>
             </a:r>
             <a:endParaRPr lang="en-US" dirty="0"/>
@@ -1896,7 +1901,7 @@
           <a:p>
             <a:pPr lvl="0"/>
             <a:r>
-              <a:rPr lang="pl-PL" smtClean="0"/>
+              <a:rPr lang="pl-PL"/>
               <a:t>Edytuj style wzorca tekstu</a:t>
             </a:r>
           </a:p>
@@ -1926,35 +1931,35 @@
           <a:p>
             <a:pPr lvl="0"/>
             <a:r>
-              <a:rPr lang="pl-PL" smtClean="0"/>
+              <a:rPr lang="pl-PL"/>
               <a:t>Edytuj style wzorca tekstu</a:t>
             </a:r>
           </a:p>
           <a:p>
             <a:pPr lvl="1"/>
             <a:r>
-              <a:rPr lang="pl-PL" smtClean="0"/>
+              <a:rPr lang="pl-PL"/>
               <a:t>Drugi poziom</a:t>
             </a:r>
           </a:p>
           <a:p>
             <a:pPr lvl="2"/>
             <a:r>
-              <a:rPr lang="pl-PL" smtClean="0"/>
+              <a:rPr lang="pl-PL"/>
               <a:t>Trzeci poziom</a:t>
             </a:r>
           </a:p>
           <a:p>
             <a:pPr lvl="3"/>
             <a:r>
-              <a:rPr lang="pl-PL" smtClean="0"/>
+              <a:rPr lang="pl-PL"/>
               <a:t>Czwarty poziom</a:t>
             </a:r>
           </a:p>
           <a:p>
             <a:pPr lvl="4"/>
             <a:r>
-              <a:rPr lang="pl-PL" smtClean="0"/>
+              <a:rPr lang="pl-PL"/>
               <a:t>Piąty poziom</a:t>
             </a:r>
             <a:endParaRPr lang="en-US" dirty="0"/>
@@ -2026,7 +2031,7 @@
           <a:p>
             <a:pPr lvl="0"/>
             <a:r>
-              <a:rPr lang="pl-PL" smtClean="0"/>
+              <a:rPr lang="pl-PL"/>
               <a:t>Edytuj style wzorca tekstu</a:t>
             </a:r>
           </a:p>
@@ -2056,35 +2061,35 @@
           <a:p>
             <a:pPr lvl="0"/>
             <a:r>
-              <a:rPr lang="pl-PL" smtClean="0"/>
+              <a:rPr lang="pl-PL"/>
               <a:t>Edytuj style wzorca tekstu</a:t>
             </a:r>
           </a:p>
           <a:p>
             <a:pPr lvl="1"/>
             <a:r>
-              <a:rPr lang="pl-PL" smtClean="0"/>
+              <a:rPr lang="pl-PL"/>
               <a:t>Drugi poziom</a:t>
             </a:r>
           </a:p>
           <a:p>
             <a:pPr lvl="2"/>
             <a:r>
-              <a:rPr lang="pl-PL" smtClean="0"/>
+              <a:rPr lang="pl-PL"/>
               <a:t>Trzeci poziom</a:t>
             </a:r>
           </a:p>
           <a:p>
             <a:pPr lvl="3"/>
             <a:r>
-              <a:rPr lang="pl-PL" smtClean="0"/>
+              <a:rPr lang="pl-PL"/>
               <a:t>Czwarty poziom</a:t>
             </a:r>
           </a:p>
           <a:p>
             <a:pPr lvl="4"/>
             <a:r>
-              <a:rPr lang="pl-PL" smtClean="0"/>
+              <a:rPr lang="pl-PL"/>
               <a:t>Piąty poziom</a:t>
             </a:r>
             <a:endParaRPr lang="en-US" dirty="0"/>
@@ -2310,7 +2315,7 @@
           <a:lstStyle/>
           <a:p>
             <a:r>
-              <a:rPr lang="pl-PL" smtClean="0"/>
+              <a:rPr lang="pl-PL"/>
               <a:t>Kliknij, aby edytować styl</a:t>
             </a:r>
             <a:endParaRPr lang="en-US" dirty="0"/>
@@ -2505,7 +2510,7 @@
           </a:lstStyle>
           <a:p>
             <a:r>
-              <a:rPr lang="pl-PL" smtClean="0"/>
+              <a:rPr lang="pl-PL"/>
               <a:t>Kliknij, aby edytować styl</a:t>
             </a:r>
             <a:endParaRPr lang="en-US" dirty="0"/>
@@ -2600,35 +2605,35 @@
           <a:p>
             <a:pPr lvl="0"/>
             <a:r>
-              <a:rPr lang="pl-PL" smtClean="0"/>
+              <a:rPr lang="pl-PL"/>
               <a:t>Edytuj style wzorca tekstu</a:t>
             </a:r>
           </a:p>
           <a:p>
             <a:pPr lvl="1"/>
             <a:r>
-              <a:rPr lang="pl-PL" smtClean="0"/>
+              <a:rPr lang="pl-PL"/>
               <a:t>Drugi poziom</a:t>
             </a:r>
           </a:p>
           <a:p>
             <a:pPr lvl="2"/>
             <a:r>
-              <a:rPr lang="pl-PL" smtClean="0"/>
+              <a:rPr lang="pl-PL"/>
               <a:t>Trzeci poziom</a:t>
             </a:r>
           </a:p>
           <a:p>
             <a:pPr lvl="3"/>
             <a:r>
-              <a:rPr lang="pl-PL" smtClean="0"/>
+              <a:rPr lang="pl-PL"/>
               <a:t>Czwarty poziom</a:t>
             </a:r>
           </a:p>
           <a:p>
             <a:pPr lvl="4"/>
             <a:r>
-              <a:rPr lang="pl-PL" smtClean="0"/>
+              <a:rPr lang="pl-PL"/>
               <a:t>Piąty poziom</a:t>
             </a:r>
             <a:endParaRPr lang="en-US" dirty="0"/>
@@ -2700,7 +2705,7 @@
           <a:p>
             <a:pPr lvl="0"/>
             <a:r>
-              <a:rPr lang="pl-PL" smtClean="0"/>
+              <a:rPr lang="pl-PL"/>
               <a:t>Edytuj style wzorca tekstu</a:t>
             </a:r>
           </a:p>
@@ -2862,7 +2867,7 @@
           </a:lstStyle>
           <a:p>
             <a:r>
-              <a:rPr lang="pl-PL" smtClean="0"/>
+              <a:rPr lang="pl-PL"/>
               <a:t>Kliknij, aby edytować styl</a:t>
             </a:r>
             <a:endParaRPr lang="en-US" dirty="0"/>
@@ -2929,7 +2934,7 @@
           </a:lstStyle>
           <a:p>
             <a:r>
-              <a:rPr lang="pl-PL" smtClean="0"/>
+              <a:rPr lang="pl-PL"/>
               <a:t>Kliknij ikonę, aby dodać obraz</a:t>
             </a:r>
             <a:endParaRPr lang="en-US" dirty="0"/>
@@ -2997,7 +3002,7 @@
           <a:p>
             <a:pPr lvl="0"/>
             <a:r>
-              <a:rPr lang="pl-PL" smtClean="0"/>
+              <a:rPr lang="pl-PL"/>
               <a:t>Edytuj style wzorca tekstu</a:t>
             </a:r>
           </a:p>
@@ -3126,7 +3131,7 @@
           <a:lstStyle/>
           <a:p>
             <a:r>
-              <a:rPr lang="pl-PL" smtClean="0"/>
+              <a:rPr lang="pl-PL"/>
               <a:t>Kliknij, aby edytować styl</a:t>
             </a:r>
             <a:endParaRPr lang="en-US" dirty="0"/>
@@ -3160,35 +3165,35 @@
           <a:p>
             <a:pPr lvl="0"/>
             <a:r>
-              <a:rPr lang="pl-PL" smtClean="0"/>
+              <a:rPr lang="pl-PL"/>
               <a:t>Edytuj style wzorca tekstu</a:t>
             </a:r>
           </a:p>
           <a:p>
             <a:pPr lvl="1"/>
             <a:r>
-              <a:rPr lang="pl-PL" smtClean="0"/>
+              <a:rPr lang="pl-PL"/>
               <a:t>Drugi poziom</a:t>
             </a:r>
           </a:p>
           <a:p>
             <a:pPr lvl="2"/>
             <a:r>
-              <a:rPr lang="pl-PL" smtClean="0"/>
+              <a:rPr lang="pl-PL"/>
               <a:t>Trzeci poziom</a:t>
             </a:r>
           </a:p>
           <a:p>
             <a:pPr lvl="3"/>
             <a:r>
-              <a:rPr lang="pl-PL" smtClean="0"/>
+              <a:rPr lang="pl-PL"/>
               <a:t>Czwarty poziom</a:t>
             </a:r>
           </a:p>
           <a:p>
             <a:pPr lvl="4"/>
             <a:r>
-              <a:rPr lang="pl-PL" smtClean="0"/>
+              <a:rPr lang="pl-PL"/>
               <a:t>Piąty poziom</a:t>
             </a:r>
             <a:endParaRPr lang="en-US" dirty="0"/>
@@ -3842,14 +3847,9 @@
           <a:lstStyle/>
           <a:p>
             <a:r>
-              <a:rPr lang="pl-PL" dirty="0" smtClean="0"/>
-              <a:t> </a:t>
-            </a:r>
-            <a:r>
               <a:rPr lang="pl-PL" dirty="0"/>
-              <a:t>Implementacja gry platformowej</a:t>
-            </a:r>
-            <a:endParaRPr lang="pl-PL" dirty="0"/>
+              <a:t> Implementacja gry platformowej</a:t>
+            </a:r>
           </a:p>
         </p:txBody>
       </p:sp>
@@ -3871,16 +3871,15 @@
           <a:lstStyle/>
           <a:p>
             <a:r>
-              <a:rPr lang="pl-PL" dirty="0" smtClean="0"/>
+              <a:rPr lang="pl-PL" dirty="0"/>
               <a:t>Praca dyplomowa inżynierska</a:t>
             </a:r>
           </a:p>
           <a:p>
             <a:r>
-              <a:rPr lang="pl-PL" dirty="0" smtClean="0"/>
+              <a:rPr lang="pl-PL" dirty="0"/>
               <a:t>Kierunek: Informatyka</a:t>
             </a:r>
-            <a:endParaRPr lang="pl-PL" dirty="0"/>
           </a:p>
         </p:txBody>
       </p:sp>
@@ -3907,7 +3906,7 @@
           <a:lstStyle/>
           <a:p>
             <a:r>
-              <a:rPr lang="pl-PL" dirty="0" smtClean="0">
+              <a:rPr lang="pl-PL" dirty="0">
                 <a:solidFill>
                   <a:schemeClr val="bg1"/>
                 </a:solidFill>
@@ -3917,7 +3916,7 @@
           </a:p>
           <a:p>
             <a:r>
-              <a:rPr lang="pl-PL" dirty="0" smtClean="0">
+              <a:rPr lang="pl-PL" dirty="0">
                 <a:solidFill>
                   <a:schemeClr val="bg1"/>
                 </a:solidFill>
@@ -3950,7 +3949,7 @@
           <a:lstStyle/>
           <a:p>
             <a:r>
-              <a:rPr lang="pl-PL" dirty="0" smtClean="0">
+              <a:rPr lang="pl-PL" dirty="0">
                 <a:solidFill>
                   <a:schemeClr val="bg1"/>
                 </a:solidFill>
@@ -3960,7 +3959,7 @@
           </a:p>
           <a:p>
             <a:r>
-              <a:rPr lang="pl-PL" dirty="0" smtClean="0">
+              <a:rPr lang="pl-PL" dirty="0">
                 <a:solidFill>
                   <a:schemeClr val="bg1"/>
                 </a:solidFill>
@@ -3968,66 +3967,61 @@
               <a:t>Karol </a:t>
             </a:r>
             <a:r>
-              <a:rPr lang="pl-PL" dirty="0" err="1" smtClean="0">
+              <a:rPr lang="pl-PL" dirty="0" err="1">
                 <a:solidFill>
                   <a:schemeClr val="bg1"/>
                 </a:solidFill>
               </a:rPr>
               <a:t>Krasuski</a:t>
-            </a:r>
-            <a:endParaRPr lang="pl-PL" dirty="0" smtClean="0">
-              <a:solidFill>
-                <a:schemeClr val="bg1"/>
-              </a:solidFill>
-            </a:endParaRPr>
-          </a:p>
-          <a:p>
-            <a:r>
-              <a:rPr lang="pl-PL" dirty="0" smtClean="0">
-                <a:solidFill>
-                  <a:schemeClr val="bg1"/>
-                </a:solidFill>
-              </a:rPr>
-              <a:t>Bartosz Kwiatkowski</a:t>
-            </a:r>
-          </a:p>
-          <a:p>
-            <a:r>
-              <a:rPr lang="pl-PL" dirty="0" smtClean="0">
-                <a:solidFill>
-                  <a:schemeClr val="bg1"/>
-                </a:solidFill>
-              </a:rPr>
-              <a:t>Jakub </a:t>
-            </a:r>
-            <a:r>
-              <a:rPr lang="pl-PL" dirty="0" err="1" smtClean="0">
-                <a:solidFill>
-                  <a:schemeClr val="bg1"/>
-                </a:solidFill>
-              </a:rPr>
-              <a:t>Łodaj</a:t>
-            </a:r>
-            <a:endParaRPr lang="pl-PL" dirty="0" smtClean="0">
-              <a:solidFill>
-                <a:schemeClr val="bg1"/>
-              </a:solidFill>
-            </a:endParaRPr>
-          </a:p>
-          <a:p>
-            <a:r>
-              <a:rPr lang="pl-PL" dirty="0" smtClean="0">
-                <a:solidFill>
-                  <a:schemeClr val="bg1"/>
-                </a:solidFill>
-              </a:rPr>
-              <a:t>Jakub Łysiak</a:t>
             </a:r>
             <a:endParaRPr lang="pl-PL" dirty="0">
               <a:solidFill>
                 <a:schemeClr val="bg1"/>
               </a:solidFill>
             </a:endParaRPr>
+          </a:p>
+          <a:p>
+            <a:r>
+              <a:rPr lang="pl-PL" dirty="0">
+                <a:solidFill>
+                  <a:schemeClr val="bg1"/>
+                </a:solidFill>
+              </a:rPr>
+              <a:t>Bartosz Kwiatkowski</a:t>
+            </a:r>
+          </a:p>
+          <a:p>
+            <a:r>
+              <a:rPr lang="pl-PL" dirty="0">
+                <a:solidFill>
+                  <a:schemeClr val="bg1"/>
+                </a:solidFill>
+              </a:rPr>
+              <a:t>Jakub </a:t>
+            </a:r>
+            <a:r>
+              <a:rPr lang="pl-PL" dirty="0" err="1">
+                <a:solidFill>
+                  <a:schemeClr val="bg1"/>
+                </a:solidFill>
+              </a:rPr>
+              <a:t>Łodaj</a:t>
+            </a:r>
+            <a:endParaRPr lang="pl-PL" dirty="0">
+              <a:solidFill>
+                <a:schemeClr val="bg1"/>
+              </a:solidFill>
+            </a:endParaRPr>
+          </a:p>
+          <a:p>
+            <a:r>
+              <a:rPr lang="pl-PL" dirty="0">
+                <a:solidFill>
+                  <a:schemeClr val="bg1"/>
+                </a:solidFill>
+              </a:rPr>
+              <a:t>Jakub Łysiak</a:t>
+            </a:r>
           </a:p>
         </p:txBody>
       </p:sp>
@@ -4053,14 +4047,49 @@
         </p:blipFill>
         <p:spPr>
           <a:xfrm>
-            <a:off x="4058665" y="654689"/>
-            <a:ext cx="4038600" cy="866775"/>
+            <a:off x="4058665" y="654690"/>
+            <a:ext cx="4038600" cy="819004"/>
           </a:xfrm>
           <a:prstGeom prst="rect">
             <a:avLst/>
           </a:prstGeom>
         </p:spPr>
       </p:pic>
+      <p:sp>
+        <p:nvSpPr>
+          <p:cNvPr id="7" name="pole tekstowe 6">
+            <a:extLst>
+              <a:ext uri="{FF2B5EF4-FFF2-40B4-BE49-F238E27FC236}">
+                <a16:creationId xmlns:a16="http://schemas.microsoft.com/office/drawing/2014/main" id="{F7D4489B-6B4B-4A41-BEE2-36879E209D74}"/>
+              </a:ext>
+            </a:extLst>
+          </p:cNvPr>
+          <p:cNvSpPr txBox="1"/>
+          <p:nvPr/>
+        </p:nvSpPr>
+        <p:spPr>
+          <a:xfrm>
+            <a:off x="4058665" y="1262397"/>
+            <a:ext cx="4038600" cy="646331"/>
+          </a:xfrm>
+          <a:prstGeom prst="rect">
+            <a:avLst/>
+          </a:prstGeom>
+          <a:noFill/>
+        </p:spPr>
+        <p:txBody>
+          <a:bodyPr wrap="square" rtlCol="0">
+            <a:spAutoFit/>
+          </a:bodyPr>
+          <a:lstStyle/>
+          <a:p>
+            <a:r>
+              <a:rPr lang="pl-PL" dirty="0"/>
+              <a:t>WYDZIAŁ FINANSÓW I BANKOWOŚCI</a:t>
+            </a:r>
+          </a:p>
+        </p:txBody>
+      </p:sp>
     </p:spTree>
     <p:extLst>
       <p:ext uri="{BB962C8B-B14F-4D97-AF65-F5344CB8AC3E}">
@@ -4107,10 +4136,9 @@
           <a:lstStyle/>
           <a:p>
             <a:r>
-              <a:rPr lang="pl-PL" dirty="0" smtClean="0"/>
+              <a:rPr lang="pl-PL" dirty="0"/>
               <a:t>Cel</a:t>
             </a:r>
-            <a:endParaRPr lang="pl-PL" dirty="0"/>
           </a:p>
         </p:txBody>
       </p:sp>
@@ -4129,7 +4157,40 @@
           <a:bodyPr/>
           <a:lstStyle/>
           <a:p>
-            <a:endParaRPr lang="pl-PL" dirty="0"/>
+            <a:r>
+              <a:rPr lang="pl-PL" dirty="0"/>
+              <a:t>Celem projektu dyplomowego jest zaprojektowanie grywalnej wersji gry platformowej przy użyciu programistycznego narzędzia wysokopoziomowego GDevelop.  Aby osiągnąć tak postawiony cel projektu, określono następujące zadania i cele szczegółowe:</a:t>
+            </a:r>
+          </a:p>
+          <a:p>
+            <a:r>
+              <a:rPr lang="pl-PL" dirty="0"/>
+              <a:t>zaprojektowanie oprawy graficznej i otoczenia dla poszczególnych etapów gry,</a:t>
+            </a:r>
+          </a:p>
+          <a:p>
+            <a:r>
+              <a:rPr lang="pl-PL" dirty="0"/>
+              <a:t>opracowanie fabuły i wiodącego wątku tematycznego w grze,</a:t>
+            </a:r>
+          </a:p>
+          <a:p>
+            <a:r>
+              <a:rPr lang="pl-PL" dirty="0"/>
+              <a:t>zaprojektowanie, animacja głównej i poboczny postaci występujących w grze,</a:t>
+            </a:r>
+          </a:p>
+          <a:p>
+            <a:r>
+              <a:rPr lang="pl-PL" dirty="0"/>
+              <a:t>implementacja zachowań (ang. events) wszystkich aktywnych elementów gry,</a:t>
+            </a:r>
+          </a:p>
+          <a:p>
+            <a:r>
+              <a:rPr lang="pl-PL" dirty="0"/>
+              <a:t>eksport projektu na użytkowe platformy (Web, Mobile, Desktop).</a:t>
+            </a:r>
           </a:p>
         </p:txBody>
       </p:sp>
@@ -4179,10 +4240,9 @@
           <a:lstStyle/>
           <a:p>
             <a:r>
-              <a:rPr lang="pl-PL" dirty="0" smtClean="0"/>
+              <a:rPr lang="pl-PL" dirty="0"/>
               <a:t>Zakres projektu</a:t>
             </a:r>
-            <a:endParaRPr lang="pl-PL" dirty="0"/>
           </a:p>
         </p:txBody>
       </p:sp>
@@ -4201,7 +4261,28 @@
           <a:bodyPr/>
           <a:lstStyle/>
           <a:p>
-            <a:endParaRPr lang="pl-PL"/>
+            <a:r>
+              <a:rPr lang="pl-PL" dirty="0"/>
+              <a:t>Zakres podmiotowy, przedmiotowy, czasowy i przestrzenny</a:t>
+            </a:r>
+          </a:p>
+          <a:p>
+            <a:r>
+              <a:rPr lang="pl-PL" dirty="0"/>
+              <a:t>przedmiot: narzędzie programistyczne GDevelop,</a:t>
+            </a:r>
+          </a:p>
+          <a:p>
+            <a:r>
+              <a:rPr lang="pl-PL" dirty="0"/>
+              <a:t>zakres badawczy: implementacja gry platformowej,</a:t>
+            </a:r>
+          </a:p>
+          <a:p>
+            <a:r>
+              <a:rPr lang="pl-PL" dirty="0"/>
+              <a:t>zakres czasowy: projekt realizowany od października 2019 do stycznia 2020</a:t>
+            </a:r>
           </a:p>
         </p:txBody>
       </p:sp>
@@ -4251,10 +4332,9 @@
           <a:lstStyle/>
           <a:p>
             <a:r>
-              <a:rPr lang="pl-PL" dirty="0" smtClean="0"/>
+              <a:rPr lang="pl-PL" dirty="0"/>
               <a:t>Uzasadnienie wyboru </a:t>
             </a:r>
-            <a:endParaRPr lang="pl-PL" dirty="0"/>
           </a:p>
         </p:txBody>
       </p:sp>
@@ -4270,10 +4350,15 @@
         </p:nvSpPr>
         <p:spPr/>
         <p:txBody>
-          <a:bodyPr/>
-          <a:lstStyle/>
-          <a:p>
-            <a:endParaRPr lang="pl-PL"/>
+          <a:bodyPr>
+            <a:normAutofit/>
+          </a:bodyPr>
+          <a:lstStyle/>
+          <a:p>
+            <a:r>
+              <a:rPr lang="pl-PL" dirty="0"/>
+              <a:t>Gra jako produkt końcowy przede wszystkim ma służyć celom rozrywkowym grających, jednak w przypadku stosowania narzędzia GDevelop sam proces tworzenia gry może stanowić swoistą rozrywkę dla samych tworzących. Wybierając to narzędzie optymalizujemy wykorzystanie czasu skupiając się przede wszystkim na grywalności i głównym wątku gry jednocześnie poświęcając mniej czasu na kwestie techniczne. Duża część technicznych aspektów jest już zaimplementowana, zawarta w silniku gry i gotowa do użycia w dostarczonym przez producenta narzędzia GDevelop. Oprócz tego niewątpliwie pożądaną cechą w dzisiejszym świecie jest wieloplatformowość aplikacji.</a:t>
+            </a:r>
           </a:p>
         </p:txBody>
       </p:sp>
@@ -4323,10 +4408,9 @@
           <a:lstStyle/>
           <a:p>
             <a:r>
-              <a:rPr lang="pl-PL" dirty="0" smtClean="0"/>
+              <a:rPr lang="pl-PL" dirty="0"/>
               <a:t>Zastosowane metody i techniki badawcze</a:t>
             </a:r>
-            <a:endParaRPr lang="pl-PL" dirty="0"/>
           </a:p>
         </p:txBody>
       </p:sp>
@@ -4345,7 +4429,40 @@
           <a:bodyPr/>
           <a:lstStyle/>
           <a:p>
-            <a:endParaRPr lang="pl-PL"/>
+            <a:r>
+              <a:rPr lang="pl-PL" dirty="0"/>
+              <a:t>język programowania: C++ (natywny dla narzędzia GDevelop),</a:t>
+            </a:r>
+          </a:p>
+          <a:p>
+            <a:r>
+              <a:rPr lang="pl-PL" dirty="0"/>
+              <a:t>środowisko programistyczne: GDevelop,</a:t>
+            </a:r>
+          </a:p>
+          <a:p>
+            <a:r>
+              <a:rPr lang="pl-PL" dirty="0"/>
+              <a:t>darmowe oprogramowanie do edycji grafiki wektorowej: GIMP,</a:t>
+            </a:r>
+          </a:p>
+          <a:p>
+            <a:r>
+              <a:rPr lang="pl-PL" dirty="0"/>
+              <a:t>platforma do przechowywania i wersjonowania poszczególnych etapów, projektu: GitHub,</a:t>
+            </a:r>
+          </a:p>
+          <a:p>
+            <a:r>
+              <a:rPr lang="pl-PL" dirty="0"/>
+              <a:t>narzędzie do kontroli cyklu życia projektu: Trello,</a:t>
+            </a:r>
+          </a:p>
+          <a:p>
+            <a:r>
+              <a:rPr lang="pl-PL" dirty="0"/>
+              <a:t>narzędzie do komunikacji grupowej: Facebook Messenger.</a:t>
+            </a:r>
           </a:p>
         </p:txBody>
       </p:sp>
@@ -4395,10 +4512,9 @@
           <a:lstStyle/>
           <a:p>
             <a:r>
-              <a:rPr lang="pl-PL" dirty="0" smtClean="0"/>
+              <a:rPr lang="pl-PL" dirty="0"/>
               <a:t>Przebieg tworzenia gry</a:t>
             </a:r>
-            <a:endParaRPr lang="pl-PL" dirty="0"/>
           </a:p>
         </p:txBody>
       </p:sp>
@@ -4467,10 +4583,9 @@
           <a:lstStyle/>
           <a:p>
             <a:r>
-              <a:rPr lang="pl-PL" dirty="0" smtClean="0"/>
+              <a:rPr lang="pl-PL" dirty="0"/>
               <a:t>Wnioski</a:t>
             </a:r>
-            <a:endParaRPr lang="pl-PL" dirty="0"/>
           </a:p>
         </p:txBody>
       </p:sp>
